--- a/BALF_manuscript_figures and Tables_overview.pptx
+++ b/BALF_manuscript_figures and Tables_overview.pptx
@@ -146,6 +146,27 @@
 </p:cmAuthorLst>
 </file>
 
+<file path=ppt/changesInfos/changesInfo1.xml><?xml version="1.0" encoding="utf-8"?>
+<pc:chgInfo xmlns:a="http://schemas.openxmlformats.org/drawingml/2006/main" xmlns:r="http://schemas.openxmlformats.org/officeDocument/2006/relationships" xmlns:ac="http://schemas.microsoft.com/office/drawing/2013/main/command" xmlns:pc="http://schemas.microsoft.com/office/powerpoint/2013/main/command">
+  <pc:docChgLst>
+    <pc:chgData name="Jochum, Michael D." userId="80fbf537-bff4-4bce-9a87-f2d0402d61b2" providerId="ADAL" clId="{F2E0F05C-C435-4033-9E16-152B3BBF2665}"/>
+    <pc:docChg chg="custSel modSld">
+      <pc:chgData name="Jochum, Michael D." userId="80fbf537-bff4-4bce-9a87-f2d0402d61b2" providerId="ADAL" clId="{F2E0F05C-C435-4033-9E16-152B3BBF2665}" dt="2021-06-09T18:46:42.689" v="38" actId="20577"/>
+      <pc:docMkLst>
+        <pc:docMk/>
+      </pc:docMkLst>
+      <pc:sldChg chg="modNotesTx">
+        <pc:chgData name="Jochum, Michael D." userId="80fbf537-bff4-4bce-9a87-f2d0402d61b2" providerId="ADAL" clId="{F2E0F05C-C435-4033-9E16-152B3BBF2665}" dt="2021-06-09T18:46:42.689" v="38" actId="20577"/>
+        <pc:sldMkLst>
+          <pc:docMk/>
+          <pc:sldMk cId="1536044954" sldId="486"/>
+        </pc:sldMkLst>
+      </pc:sldChg>
+    </pc:docChg>
+  </pc:docChgLst>
+</pc:chgInfo>
+</file>
+
 <file path=ppt/notesMasters/notesMaster1.xml><?xml version="1.0" encoding="utf-8"?>
 <p:notesMaster xmlns:a="http://schemas.openxmlformats.org/drawingml/2006/main" xmlns:r="http://schemas.openxmlformats.org/officeDocument/2006/relationships" xmlns:p="http://schemas.openxmlformats.org/presentationml/2006/main">
   <p:cSld>
@@ -228,7 +249,7 @@
           <a:p>
             <a:fld id="{428BD4FD-9392-0A48-A87B-B5740D106C44}" type="datetimeFigureOut">
               <a:rPr lang="en-US" smtClean="0"/>
-              <a:t>4/23/2021</a:t>
+              <a:t>6/9/2021</a:t>
             </a:fld>
             <a:endParaRPr lang="en-US"/>
           </a:p>
@@ -1292,7 +1313,25 @@
                 <a:ea typeface="Calibri" panose="020F0502020204030204" pitchFamily="34" charset="0"/>
                 <a:cs typeface="Times New Roman" panose="02020603050405020304" pitchFamily="18" charset="0"/>
               </a:rPr>
-              <a:t> when compared to both the uninfected (p&lt;0.0001, q &lt;0.001)  and CAP cohorts (p&lt;0.005,q &lt;0.05) cohorts (table X). This finding supports previous reports regarding an association with </a:t>
+              <a:t> when compared to both the uninfected (p&lt;0.0001, q &lt;0.001)  and CAP cohorts (p&lt;0.005,q &lt;0.05) cohorts (table X).  To the </a:t>
+            </a:r>
+            <a:r>
+              <a:rPr lang="en-US" sz="1800">
+                <a:effectLst/>
+                <a:latin typeface="Calibri" panose="020F0502020204030204" pitchFamily="34" charset="0"/>
+                <a:ea typeface="Calibri" panose="020F0502020204030204" pitchFamily="34" charset="0"/>
+                <a:cs typeface="Times New Roman" panose="02020603050405020304" pitchFamily="18" charset="0"/>
+              </a:rPr>
+              <a:t>COVID19 cohort. This </a:t>
+            </a:r>
+            <a:r>
+              <a:rPr lang="en-US" sz="1800" dirty="0">
+                <a:effectLst/>
+                <a:latin typeface="Calibri" panose="020F0502020204030204" pitchFamily="34" charset="0"/>
+                <a:ea typeface="Calibri" panose="020F0502020204030204" pitchFamily="34" charset="0"/>
+                <a:cs typeface="Times New Roman" panose="02020603050405020304" pitchFamily="18" charset="0"/>
+              </a:rPr>
+              <a:t>finding supports previous reports regarding an association with </a:t>
             </a:r>
             <a:r>
               <a:rPr lang="en-US" sz="1800" i="1" dirty="0" err="1">
